--- a/Calendario2023/Presentaciones/8_RedesInalambricas.pptx
+++ b/Calendario2023/Presentaciones/8_RedesInalambricas.pptx
@@ -5,10 +5,10 @@
     <p:sldMasterId id="2147483648" r:id="rId1"/>
   </p:sldMasterIdLst>
   <p:notesMasterIdLst>
-    <p:notesMasterId r:id="rId18"/>
+    <p:notesMasterId r:id="rId19"/>
   </p:notesMasterIdLst>
   <p:handoutMasterIdLst>
-    <p:handoutMasterId r:id="rId19"/>
+    <p:handoutMasterId r:id="rId20"/>
   </p:handoutMasterIdLst>
   <p:sldIdLst>
     <p:sldId id="341" r:id="rId2"/>
@@ -20,13 +20,14 @@
     <p:sldId id="853" r:id="rId8"/>
     <p:sldId id="628" r:id="rId9"/>
     <p:sldId id="855" r:id="rId10"/>
-    <p:sldId id="629" r:id="rId11"/>
-    <p:sldId id="630" r:id="rId12"/>
-    <p:sldId id="632" r:id="rId13"/>
-    <p:sldId id="631" r:id="rId14"/>
-    <p:sldId id="636" r:id="rId15"/>
-    <p:sldId id="482" r:id="rId16"/>
-    <p:sldId id="484" r:id="rId17"/>
+    <p:sldId id="857" r:id="rId11"/>
+    <p:sldId id="629" r:id="rId12"/>
+    <p:sldId id="630" r:id="rId13"/>
+    <p:sldId id="632" r:id="rId14"/>
+    <p:sldId id="631" r:id="rId15"/>
+    <p:sldId id="636" r:id="rId16"/>
+    <p:sldId id="482" r:id="rId17"/>
+    <p:sldId id="484" r:id="rId18"/>
   </p:sldIdLst>
   <p:sldSz cx="9144000" cy="6858000" type="screen4x3"/>
   <p:notesSz cx="6858000" cy="9144000"/>
@@ -226,7 +227,7 @@
           <a:p>
             <a:fld id="{CFD15F0F-6D28-499C-8425-A9347399C9A5}" type="datetimeFigureOut">
               <a:rPr lang="es-MX" smtClean="0"/>
-              <a:t>19/05/2022</a:t>
+              <a:t>14/05/2023</a:t>
             </a:fld>
             <a:endParaRPr lang="es-MX" dirty="0"/>
           </a:p>
@@ -391,7 +392,7 @@
           <a:p>
             <a:fld id="{2D445F07-8756-451B-A938-0248325FC7BB}" type="datetimeFigureOut">
               <a:rPr lang="es-MX" smtClean="0"/>
-              <a:t>19/05/2022</a:t>
+              <a:t>14/05/2023</a:t>
             </a:fld>
             <a:endParaRPr lang="es-MX" dirty="0"/>
           </a:p>
@@ -1072,18 +1073,6 @@
               <a:buFontTx/>
               <a:buNone/>
             </a:pPr>
-            <a:endParaRPr lang="es-ES" baseline="0" dirty="0">
-              <a:latin typeface="Arial" charset="0"/>
-            </a:endParaRPr>
-          </a:p>
-          <a:p>
-            <a:pPr>
-              <a:lnSpc>
-                <a:spcPct val="80000"/>
-              </a:lnSpc>
-              <a:buFontTx/>
-              <a:buNone/>
-            </a:pPr>
             <a:endParaRPr lang="es-ES" dirty="0"/>
           </a:p>
         </p:txBody>
@@ -1120,7 +1109,7 @@
     </p:spTree>
     <p:extLst>
       <p:ext uri="{BB962C8B-B14F-4D97-AF65-F5344CB8AC3E}">
-        <p14:creationId xmlns:p14="http://schemas.microsoft.com/office/powerpoint/2010/main" val="208357160"/>
+        <p14:creationId xmlns:p14="http://schemas.microsoft.com/office/powerpoint/2010/main" val="4273812158"/>
       </p:ext>
     </p:extLst>
   </p:cSld>
@@ -1205,6 +1194,18 @@
               <a:buFontTx/>
               <a:buNone/>
             </a:pPr>
+            <a:endParaRPr lang="es-ES" baseline="0" dirty="0">
+              <a:latin typeface="Arial" charset="0"/>
+            </a:endParaRPr>
+          </a:p>
+          <a:p>
+            <a:pPr>
+              <a:lnSpc>
+                <a:spcPct val="80000"/>
+              </a:lnSpc>
+              <a:buFontTx/>
+              <a:buNone/>
+            </a:pPr>
             <a:endParaRPr lang="es-ES" dirty="0"/>
           </a:p>
         </p:txBody>
@@ -1241,7 +1242,7 @@
     </p:spTree>
     <p:extLst>
       <p:ext uri="{BB962C8B-B14F-4D97-AF65-F5344CB8AC3E}">
-        <p14:creationId xmlns:p14="http://schemas.microsoft.com/office/powerpoint/2010/main" val="2605086003"/>
+        <p14:creationId xmlns:p14="http://schemas.microsoft.com/office/powerpoint/2010/main" val="208357160"/>
       </p:ext>
     </p:extLst>
   </p:cSld>
@@ -1326,18 +1327,6 @@
               <a:buFontTx/>
               <a:buNone/>
             </a:pPr>
-            <a:endParaRPr lang="es-ES" baseline="0" dirty="0">
-              <a:latin typeface="Arial" charset="0"/>
-            </a:endParaRPr>
-          </a:p>
-          <a:p>
-            <a:pPr>
-              <a:lnSpc>
-                <a:spcPct val="80000"/>
-              </a:lnSpc>
-              <a:buFontTx/>
-              <a:buNone/>
-            </a:pPr>
             <a:endParaRPr lang="es-ES" dirty="0"/>
           </a:p>
         </p:txBody>
@@ -1374,7 +1363,7 @@
     </p:spTree>
     <p:extLst>
       <p:ext uri="{BB962C8B-B14F-4D97-AF65-F5344CB8AC3E}">
-        <p14:creationId xmlns:p14="http://schemas.microsoft.com/office/powerpoint/2010/main" val="4070859965"/>
+        <p14:creationId xmlns:p14="http://schemas.microsoft.com/office/powerpoint/2010/main" val="2605086003"/>
       </p:ext>
     </p:extLst>
   </p:cSld>
@@ -1459,6 +1448,18 @@
               <a:buFontTx/>
               <a:buNone/>
             </a:pPr>
+            <a:endParaRPr lang="es-ES" baseline="0" dirty="0">
+              <a:latin typeface="Arial" charset="0"/>
+            </a:endParaRPr>
+          </a:p>
+          <a:p>
+            <a:pPr>
+              <a:lnSpc>
+                <a:spcPct val="80000"/>
+              </a:lnSpc>
+              <a:buFontTx/>
+              <a:buNone/>
+            </a:pPr>
             <a:endParaRPr lang="es-ES" dirty="0"/>
           </a:p>
         </p:txBody>
@@ -1487,6 +1488,127 @@
               <a:rPr lang="en-US" smtClean="0"/>
               <a:pPr/>
               <a:t>13</a:t>
+            </a:fld>
+            <a:endParaRPr lang="es-ES" dirty="0"/>
+          </a:p>
+        </p:txBody>
+      </p:sp>
+    </p:spTree>
+    <p:extLst>
+      <p:ext uri="{BB962C8B-B14F-4D97-AF65-F5344CB8AC3E}">
+        <p14:creationId xmlns:p14="http://schemas.microsoft.com/office/powerpoint/2010/main" val="4070859965"/>
+      </p:ext>
+    </p:extLst>
+  </p:cSld>
+  <p:clrMapOvr>
+    <a:masterClrMapping/>
+  </p:clrMapOvr>
+</p:notes>
+</file>
+
+<file path=ppt/notesSlides/notesSlide8.xml><?xml version="1.0" encoding="utf-8"?>
+<p:notes xmlns:a="http://schemas.openxmlformats.org/drawingml/2006/main" xmlns:r="http://schemas.openxmlformats.org/officeDocument/2006/relationships" xmlns:p="http://schemas.openxmlformats.org/presentationml/2006/main">
+  <p:cSld>
+    <p:spTree>
+      <p:nvGrpSpPr>
+        <p:cNvPr id="1" name=""/>
+        <p:cNvGrpSpPr/>
+        <p:nvPr/>
+      </p:nvGrpSpPr>
+      <p:grpSpPr>
+        <a:xfrm>
+          <a:off x="0" y="0"/>
+          <a:ext cx="0" cy="0"/>
+          <a:chOff x="0" y="0"/>
+          <a:chExt cx="0" cy="0"/>
+        </a:xfrm>
+      </p:grpSpPr>
+      <p:sp>
+        <p:nvSpPr>
+          <p:cNvPr id="112643" name="Rectangle 2"/>
+          <p:cNvSpPr>
+            <a:spLocks noGrp="1" noRot="1" noChangeAspect="1" noChangeArrowheads="1" noTextEdit="1"/>
+          </p:cNvSpPr>
+          <p:nvPr>
+            <p:ph type="sldImg"/>
+          </p:nvPr>
+        </p:nvSpPr>
+        <p:spPr>
+          <a:ln/>
+        </p:spPr>
+      </p:sp>
+      <p:sp>
+        <p:nvSpPr>
+          <p:cNvPr id="112644" name="Rectangle 3"/>
+          <p:cNvSpPr>
+            <a:spLocks noGrp="1" noChangeArrowheads="1"/>
+          </p:cNvSpPr>
+          <p:nvPr>
+            <p:ph type="body" idx="1"/>
+          </p:nvPr>
+        </p:nvSpPr>
+        <p:spPr>
+          <a:noFill/>
+          <a:ln/>
+          <a:extLst>
+            <a:ext uri="{909E8E84-426E-40DD-AFC4-6F175D3DCCD1}">
+              <a14:hiddenFill xmlns:a14="http://schemas.microsoft.com/office/drawing/2010/main">
+                <a:solidFill>
+                  <a:srgbClr val="FFFFFF"/>
+                </a:solidFill>
+              </a14:hiddenFill>
+            </a:ext>
+            <a:ext uri="{91240B29-F687-4F45-9708-019B960494DF}">
+              <a14:hiddenLine xmlns:a14="http://schemas.microsoft.com/office/drawing/2010/main" w="9525">
+                <a:solidFill>
+                  <a:srgbClr val="000000"/>
+                </a:solidFill>
+                <a:miter lim="800000"/>
+                <a:headEnd/>
+                <a:tailEnd/>
+              </a14:hiddenLine>
+            </a:ext>
+          </a:extLst>
+        </p:spPr>
+        <p:txBody>
+          <a:bodyPr/>
+          <a:lstStyle/>
+          <a:p>
+            <a:pPr>
+              <a:lnSpc>
+                <a:spcPct val="80000"/>
+              </a:lnSpc>
+              <a:buFontTx/>
+              <a:buNone/>
+            </a:pPr>
+            <a:endParaRPr lang="es-ES" dirty="0"/>
+          </a:p>
+        </p:txBody>
+      </p:sp>
+      <p:sp>
+        <p:nvSpPr>
+          <p:cNvPr id="5" name="Slide Number Placeholder 3"/>
+          <p:cNvSpPr>
+            <a:spLocks noGrp="1"/>
+          </p:cNvSpPr>
+          <p:nvPr>
+            <p:ph type="sldNum" sz="quarter" idx="5"/>
+          </p:nvPr>
+        </p:nvSpPr>
+        <p:spPr>
+          <a:xfrm>
+            <a:off x="3884613" y="8685213"/>
+            <a:ext cx="2971800" cy="457200"/>
+          </a:xfrm>
+        </p:spPr>
+        <p:txBody>
+          <a:bodyPr/>
+          <a:lstStyle/>
+          <a:p>
+            <a:fld id="{5641018C-6CAF-B84E-B92C-ECB119457FBA}" type="slidenum">
+              <a:rPr lang="en-US" smtClean="0"/>
+              <a:pPr/>
+              <a:t>14</a:t>
             </a:fld>
             <a:endParaRPr lang="es-ES" dirty="0"/>
           </a:p>
@@ -1686,7 +1808,7 @@
           <a:p>
             <a:fld id="{5E75A0DC-66C6-4CEC-A5EB-F8C97CEC3796}" type="datetimeFigureOut">
               <a:rPr lang="es-MX" smtClean="0"/>
-              <a:t>19/05/2022</a:t>
+              <a:t>14/05/2023</a:t>
             </a:fld>
             <a:endParaRPr lang="es-MX" dirty="0"/>
           </a:p>
@@ -1856,7 +1978,7 @@
           <a:p>
             <a:fld id="{5E75A0DC-66C6-4CEC-A5EB-F8C97CEC3796}" type="datetimeFigureOut">
               <a:rPr lang="es-MX" smtClean="0"/>
-              <a:t>19/05/2022</a:t>
+              <a:t>14/05/2023</a:t>
             </a:fld>
             <a:endParaRPr lang="es-MX" dirty="0"/>
           </a:p>
@@ -2036,7 +2158,7 @@
           <a:p>
             <a:fld id="{5E75A0DC-66C6-4CEC-A5EB-F8C97CEC3796}" type="datetimeFigureOut">
               <a:rPr lang="es-MX" smtClean="0"/>
-              <a:t>19/05/2022</a:t>
+              <a:t>14/05/2023</a:t>
             </a:fld>
             <a:endParaRPr lang="es-MX" dirty="0"/>
           </a:p>
@@ -2511,7 +2633,7 @@
           <a:p>
             <a:fld id="{5E75A0DC-66C6-4CEC-A5EB-F8C97CEC3796}" type="datetimeFigureOut">
               <a:rPr lang="es-MX" smtClean="0"/>
-              <a:t>19/05/2022</a:t>
+              <a:t>14/05/2023</a:t>
             </a:fld>
             <a:endParaRPr lang="es-MX" dirty="0"/>
           </a:p>
@@ -2757,7 +2879,7 @@
           <a:p>
             <a:fld id="{5E75A0DC-66C6-4CEC-A5EB-F8C97CEC3796}" type="datetimeFigureOut">
               <a:rPr lang="es-MX" smtClean="0"/>
-              <a:t>19/05/2022</a:t>
+              <a:t>14/05/2023</a:t>
             </a:fld>
             <a:endParaRPr lang="es-MX" dirty="0"/>
           </a:p>
@@ -3045,7 +3167,7 @@
           <a:p>
             <a:fld id="{5E75A0DC-66C6-4CEC-A5EB-F8C97CEC3796}" type="datetimeFigureOut">
               <a:rPr lang="es-MX" smtClean="0"/>
-              <a:t>19/05/2022</a:t>
+              <a:t>14/05/2023</a:t>
             </a:fld>
             <a:endParaRPr lang="es-MX" dirty="0"/>
           </a:p>
@@ -3467,7 +3589,7 @@
           <a:p>
             <a:fld id="{5E75A0DC-66C6-4CEC-A5EB-F8C97CEC3796}" type="datetimeFigureOut">
               <a:rPr lang="es-MX" smtClean="0"/>
-              <a:t>19/05/2022</a:t>
+              <a:t>14/05/2023</a:t>
             </a:fld>
             <a:endParaRPr lang="es-MX" dirty="0"/>
           </a:p>
@@ -3585,7 +3707,7 @@
           <a:p>
             <a:fld id="{5E75A0DC-66C6-4CEC-A5EB-F8C97CEC3796}" type="datetimeFigureOut">
               <a:rPr lang="es-MX" smtClean="0"/>
-              <a:t>19/05/2022</a:t>
+              <a:t>14/05/2023</a:t>
             </a:fld>
             <a:endParaRPr lang="es-MX" dirty="0"/>
           </a:p>
@@ -3680,7 +3802,7 @@
           <a:p>
             <a:fld id="{5E75A0DC-66C6-4CEC-A5EB-F8C97CEC3796}" type="datetimeFigureOut">
               <a:rPr lang="es-MX" smtClean="0"/>
-              <a:t>19/05/2022</a:t>
+              <a:t>14/05/2023</a:t>
             </a:fld>
             <a:endParaRPr lang="es-MX" dirty="0"/>
           </a:p>
@@ -3957,7 +4079,7 @@
           <a:p>
             <a:fld id="{5E75A0DC-66C6-4CEC-A5EB-F8C97CEC3796}" type="datetimeFigureOut">
               <a:rPr lang="es-MX" smtClean="0"/>
-              <a:t>19/05/2022</a:t>
+              <a:t>14/05/2023</a:t>
             </a:fld>
             <a:endParaRPr lang="es-MX" dirty="0"/>
           </a:p>
@@ -4210,7 +4332,7 @@
           <a:p>
             <a:fld id="{5E75A0DC-66C6-4CEC-A5EB-F8C97CEC3796}" type="datetimeFigureOut">
               <a:rPr lang="es-MX" smtClean="0"/>
-              <a:t>19/05/2022</a:t>
+              <a:t>14/05/2023</a:t>
             </a:fld>
             <a:endParaRPr lang="es-MX" dirty="0"/>
           </a:p>
@@ -4423,7 +4545,7 @@
           <a:p>
             <a:fld id="{5E75A0DC-66C6-4CEC-A5EB-F8C97CEC3796}" type="datetimeFigureOut">
               <a:rPr lang="es-MX" smtClean="0"/>
-              <a:t>19/05/2022</a:t>
+              <a:t>14/05/2023</a:t>
             </a:fld>
             <a:endParaRPr lang="es-MX" dirty="0"/>
           </a:p>
@@ -5000,6 +5122,461 @@
           <a:chExt cx="0" cy="0"/>
         </a:xfrm>
       </p:grpSpPr>
+      <p:pic>
+        <p:nvPicPr>
+          <p:cNvPr id="4" name="Imagen 3">
+            <a:extLst>
+              <a:ext uri="{FF2B5EF4-FFF2-40B4-BE49-F238E27FC236}">
+                <a16:creationId xmlns:a16="http://schemas.microsoft.com/office/drawing/2014/main" id="{2CB525E1-F85E-43E1-96BC-90FD85587CA5}"/>
+              </a:ext>
+            </a:extLst>
+          </p:cNvPr>
+          <p:cNvPicPr>
+            <a:picLocks noChangeAspect="1"/>
+          </p:cNvPicPr>
+          <p:nvPr/>
+        </p:nvPicPr>
+        <p:blipFill>
+          <a:blip r:embed="rId3"/>
+          <a:stretch>
+            <a:fillRect/>
+          </a:stretch>
+        </p:blipFill>
+        <p:spPr>
+          <a:xfrm>
+            <a:off x="4716016" y="4005064"/>
+            <a:ext cx="3334851" cy="2016223"/>
+          </a:xfrm>
+          <a:prstGeom prst="rect">
+            <a:avLst/>
+          </a:prstGeom>
+        </p:spPr>
+      </p:pic>
+      <p:sp>
+        <p:nvSpPr>
+          <p:cNvPr id="6" name="Rectangle 2">
+            <a:extLst>
+              <a:ext uri="{FF2B5EF4-FFF2-40B4-BE49-F238E27FC236}">
+                <a16:creationId xmlns:a16="http://schemas.microsoft.com/office/drawing/2014/main" id="{C2EE2F51-F651-41B2-9513-9FDF35897CA6}"/>
+              </a:ext>
+            </a:extLst>
+          </p:cNvPr>
+          <p:cNvSpPr txBox="1">
+            <a:spLocks noChangeArrowheads="1"/>
+          </p:cNvSpPr>
+          <p:nvPr/>
+        </p:nvSpPr>
+        <p:spPr>
+          <a:xfrm>
+            <a:off x="206642" y="193205"/>
+            <a:ext cx="8730716" cy="1143000"/>
+          </a:xfrm>
+          <a:prstGeom prst="rect">
+            <a:avLst/>
+          </a:prstGeom>
+        </p:spPr>
+        <p:txBody>
+          <a:bodyPr vert="horz" lIns="92075" tIns="46038" rIns="92075" bIns="46038" rtlCol="0" anchor="ctr">
+            <a:noAutofit/>
+          </a:bodyPr>
+          <a:lstStyle>
+            <a:lvl1pPr algn="ctr" defTabSz="914400" rtl="0" eaLnBrk="1" latinLnBrk="0" hangingPunct="1">
+              <a:spcBef>
+                <a:spcPct val="0"/>
+              </a:spcBef>
+              <a:buNone/>
+              <a:defRPr sz="4400" kern="1200">
+                <a:solidFill>
+                  <a:schemeClr val="tx1"/>
+                </a:solidFill>
+                <a:latin typeface="+mj-lt"/>
+                <a:ea typeface="+mj-ea"/>
+                <a:cs typeface="+mj-cs"/>
+              </a:defRPr>
+            </a:lvl1pPr>
+          </a:lstStyle>
+          <a:p>
+            <a:pPr>
+              <a:defRPr/>
+            </a:pPr>
+            <a:r>
+              <a:rPr lang="es-ES_tradnl" sz="3200" dirty="0">
+                <a:solidFill>
+                  <a:srgbClr val="3333CC"/>
+                </a:solidFill>
+                <a:effectLst>
+                  <a:outerShdw blurRad="38100" dist="38100" dir="2700000" algn="tl">
+                    <a:srgbClr val="C0C0C0"/>
+                  </a:outerShdw>
+                </a:effectLst>
+                <a:latin typeface="Dom Casual" charset="0"/>
+              </a:rPr>
+              <a:t> </a:t>
+            </a:r>
+            <a:r>
+              <a:rPr lang="es-ES_tradnl" sz="3200" b="1" dirty="0">
+                <a:solidFill>
+                  <a:schemeClr val="accent4">
+                    <a:lumMod val="50000"/>
+                  </a:schemeClr>
+                </a:solidFill>
+                <a:effectLst>
+                  <a:outerShdw blurRad="38100" dist="38100" dir="2700000" algn="tl">
+                    <a:srgbClr val="C0C0C0"/>
+                  </a:outerShdw>
+                </a:effectLst>
+                <a:latin typeface="Dom Casual" charset="0"/>
+              </a:rPr>
+              <a:t>Señales </a:t>
+            </a:r>
+            <a:r>
+              <a:rPr lang="es-ES_tradnl" sz="3200" b="1" dirty="0" err="1">
+                <a:solidFill>
+                  <a:schemeClr val="accent4">
+                    <a:lumMod val="50000"/>
+                  </a:schemeClr>
+                </a:solidFill>
+                <a:effectLst>
+                  <a:outerShdw blurRad="38100" dist="38100" dir="2700000" algn="tl">
+                    <a:srgbClr val="C0C0C0"/>
+                  </a:outerShdw>
+                </a:effectLst>
+                <a:latin typeface="Dom Casual" charset="0"/>
+              </a:rPr>
+              <a:t>Wi</a:t>
+            </a:r>
+            <a:r>
+              <a:rPr lang="es-ES_tradnl" sz="3200" b="1" dirty="0">
+                <a:solidFill>
+                  <a:schemeClr val="accent4">
+                    <a:lumMod val="50000"/>
+                  </a:schemeClr>
+                </a:solidFill>
+                <a:effectLst>
+                  <a:outerShdw blurRad="38100" dist="38100" dir="2700000" algn="tl">
+                    <a:srgbClr val="C0C0C0"/>
+                  </a:outerShdw>
+                </a:effectLst>
+                <a:latin typeface="Dom Casual" charset="0"/>
+              </a:rPr>
+              <a:t>-Fi</a:t>
+            </a:r>
+          </a:p>
+        </p:txBody>
+      </p:sp>
+      <p:sp>
+        <p:nvSpPr>
+          <p:cNvPr id="7" name="2 Marcador de contenido">
+            <a:extLst>
+              <a:ext uri="{FF2B5EF4-FFF2-40B4-BE49-F238E27FC236}">
+                <a16:creationId xmlns:a16="http://schemas.microsoft.com/office/drawing/2014/main" id="{81B15081-762F-4B85-82C8-46A3C9FC4613}"/>
+              </a:ext>
+            </a:extLst>
+          </p:cNvPr>
+          <p:cNvSpPr>
+            <a:spLocks noGrp="1"/>
+          </p:cNvSpPr>
+          <p:nvPr>
+            <p:ph idx="1"/>
+          </p:nvPr>
+        </p:nvSpPr>
+        <p:spPr>
+          <a:xfrm>
+            <a:off x="539552" y="1556792"/>
+            <a:ext cx="7992888" cy="3312368"/>
+          </a:xfrm>
+        </p:spPr>
+        <p:txBody>
+          <a:bodyPr>
+            <a:noAutofit/>
+          </a:bodyPr>
+          <a:lstStyle/>
+          <a:p>
+            <a:pPr algn="just">
+              <a:lnSpc>
+                <a:spcPts val="2600"/>
+              </a:lnSpc>
+              <a:spcBef>
+                <a:spcPts val="0"/>
+              </a:spcBef>
+              <a:spcAft>
+                <a:spcPts val="0"/>
+              </a:spcAft>
+            </a:pPr>
+            <a:r>
+              <a:rPr lang="es-ES" sz="1600" dirty="0">
+                <a:solidFill>
+                  <a:srgbClr val="333333"/>
+                </a:solidFill>
+              </a:rPr>
+              <a:t>Las señales </a:t>
+            </a:r>
+            <a:r>
+              <a:rPr lang="es-ES" sz="1600" dirty="0" err="1">
+                <a:solidFill>
+                  <a:srgbClr val="333333"/>
+                </a:solidFill>
+              </a:rPr>
+              <a:t>Wi</a:t>
+            </a:r>
+            <a:r>
+              <a:rPr lang="es-ES" sz="1600" dirty="0">
+                <a:solidFill>
+                  <a:srgbClr val="333333"/>
+                </a:solidFill>
+              </a:rPr>
+              <a:t>-Fi se propagan por medio de la emisión de </a:t>
+            </a:r>
+            <a:r>
+              <a:rPr lang="es-ES" sz="1600" b="1" dirty="0">
+                <a:solidFill>
+                  <a:srgbClr val="333333"/>
+                </a:solidFill>
+              </a:rPr>
+              <a:t>ondas electromagnéticas </a:t>
+            </a:r>
+            <a:r>
+              <a:rPr lang="es-ES" sz="1600" dirty="0">
+                <a:solidFill>
+                  <a:srgbClr val="333333"/>
+                </a:solidFill>
+              </a:rPr>
+              <a:t>que cubren un área determinada. Si la señal es </a:t>
+            </a:r>
+            <a:r>
+              <a:rPr lang="es-ES" sz="1600" b="1" dirty="0">
+                <a:solidFill>
+                  <a:srgbClr val="333333"/>
+                </a:solidFill>
+              </a:rPr>
+              <a:t>2.4G </a:t>
+            </a:r>
+            <a:r>
+              <a:rPr lang="es-ES" sz="1600" dirty="0">
+                <a:solidFill>
+                  <a:srgbClr val="333333"/>
+                </a:solidFill>
+              </a:rPr>
+              <a:t>puede atravesar sin mucha dificultad determinados obstáculos como muros y puertas, mientras que las señales </a:t>
+            </a:r>
+            <a:r>
+              <a:rPr lang="es-ES" sz="1600" b="1" dirty="0">
+                <a:solidFill>
+                  <a:srgbClr val="333333"/>
+                </a:solidFill>
+              </a:rPr>
+              <a:t>5G </a:t>
+            </a:r>
+            <a:r>
+              <a:rPr lang="es-ES" sz="1600" dirty="0">
+                <a:solidFill>
+                  <a:srgbClr val="333333"/>
+                </a:solidFill>
+              </a:rPr>
+              <a:t>no pueden hacerlo tan fácilmente, por lo que su alcance es reducido.</a:t>
+            </a:r>
+          </a:p>
+          <a:p>
+            <a:pPr algn="just">
+              <a:lnSpc>
+                <a:spcPts val="2600"/>
+              </a:lnSpc>
+              <a:spcAft>
+                <a:spcPts val="0"/>
+              </a:spcAft>
+            </a:pPr>
+            <a:r>
+              <a:rPr lang="es-ES" sz="1600" dirty="0">
+                <a:solidFill>
+                  <a:srgbClr val="333333"/>
+                </a:solidFill>
+              </a:rPr>
+              <a:t>Las antenas en los equipos inalámbricos emiten las </a:t>
+            </a:r>
+            <a:r>
+              <a:rPr lang="es-ES" sz="1600" b="1" dirty="0">
+                <a:solidFill>
+                  <a:srgbClr val="333333"/>
+                </a:solidFill>
+              </a:rPr>
+              <a:t>ondas electromagnéticas</a:t>
+            </a:r>
+            <a:r>
+              <a:rPr lang="es-ES" sz="1600" dirty="0">
+                <a:solidFill>
+                  <a:srgbClr val="333333"/>
+                </a:solidFill>
+              </a:rPr>
+              <a:t> que permiten a los dispositivos conectarse a Internet. </a:t>
+            </a:r>
+            <a:endParaRPr lang="es-ES" altLang="es-MX" sz="1600" dirty="0"/>
+          </a:p>
+        </p:txBody>
+      </p:sp>
+    </p:spTree>
+    <p:extLst>
+      <p:ext uri="{BB962C8B-B14F-4D97-AF65-F5344CB8AC3E}">
+        <p14:creationId xmlns:p14="http://schemas.microsoft.com/office/powerpoint/2010/main" val="1363485696"/>
+      </p:ext>
+    </p:extLst>
+  </p:cSld>
+  <p:clrMapOvr>
+    <a:masterClrMapping/>
+  </p:clrMapOvr>
+  <p:transition spd="slow">
+    <p:wipe/>
+  </p:transition>
+  <p:timing>
+    <p:tnLst>
+      <p:par>
+        <p:cTn id="1" dur="indefinite" restart="never" nodeType="tmRoot">
+          <p:childTnLst>
+            <p:seq concurrent="1" nextAc="seek">
+              <p:cTn id="2" dur="indefinite" nodeType="mainSeq">
+                <p:childTnLst>
+                  <p:par>
+                    <p:cTn id="3" fill="hold">
+                      <p:stCondLst>
+                        <p:cond delay="indefinite"/>
+                      </p:stCondLst>
+                      <p:childTnLst>
+                        <p:par>
+                          <p:cTn id="4" fill="hold">
+                            <p:stCondLst>
+                              <p:cond delay="0"/>
+                            </p:stCondLst>
+                            <p:childTnLst>
+                              <p:par>
+                                <p:cTn id="5" presetID="1" presetClass="entr" presetSubtype="0" fill="hold" grpId="0" nodeType="clickEffect">
+                                  <p:stCondLst>
+                                    <p:cond delay="0"/>
+                                  </p:stCondLst>
+                                  <p:childTnLst>
+                                    <p:set>
+                                      <p:cBhvr>
+                                        <p:cTn id="6" dur="1" fill="hold">
+                                          <p:stCondLst>
+                                            <p:cond delay="0"/>
+                                          </p:stCondLst>
+                                        </p:cTn>
+                                        <p:tgtEl>
+                                          <p:spTgt spid="7">
+                                            <p:txEl>
+                                              <p:pRg st="0" end="0"/>
+                                            </p:txEl>
+                                          </p:spTgt>
+                                        </p:tgtEl>
+                                        <p:attrNameLst>
+                                          <p:attrName>style.visibility</p:attrName>
+                                        </p:attrNameLst>
+                                      </p:cBhvr>
+                                      <p:to>
+                                        <p:strVal val="visible"/>
+                                      </p:to>
+                                    </p:set>
+                                  </p:childTnLst>
+                                </p:cTn>
+                              </p:par>
+                            </p:childTnLst>
+                          </p:cTn>
+                        </p:par>
+                      </p:childTnLst>
+                    </p:cTn>
+                  </p:par>
+                  <p:par>
+                    <p:cTn id="7" fill="hold">
+                      <p:stCondLst>
+                        <p:cond delay="indefinite"/>
+                      </p:stCondLst>
+                      <p:childTnLst>
+                        <p:par>
+                          <p:cTn id="8" fill="hold">
+                            <p:stCondLst>
+                              <p:cond delay="0"/>
+                            </p:stCondLst>
+                            <p:childTnLst>
+                              <p:par>
+                                <p:cTn id="9" presetID="1" presetClass="entr" presetSubtype="0" fill="hold" grpId="0" nodeType="clickEffect">
+                                  <p:stCondLst>
+                                    <p:cond delay="0"/>
+                                  </p:stCondLst>
+                                  <p:childTnLst>
+                                    <p:set>
+                                      <p:cBhvr>
+                                        <p:cTn id="10" dur="1" fill="hold">
+                                          <p:stCondLst>
+                                            <p:cond delay="0"/>
+                                          </p:stCondLst>
+                                        </p:cTn>
+                                        <p:tgtEl>
+                                          <p:spTgt spid="7">
+                                            <p:txEl>
+                                              <p:pRg st="1" end="1"/>
+                                            </p:txEl>
+                                          </p:spTgt>
+                                        </p:tgtEl>
+                                        <p:attrNameLst>
+                                          <p:attrName>style.visibility</p:attrName>
+                                        </p:attrNameLst>
+                                      </p:cBhvr>
+                                      <p:to>
+                                        <p:strVal val="visible"/>
+                                      </p:to>
+                                    </p:set>
+                                  </p:childTnLst>
+                                </p:cTn>
+                              </p:par>
+                            </p:childTnLst>
+                          </p:cTn>
+                        </p:par>
+                      </p:childTnLst>
+                    </p:cTn>
+                  </p:par>
+                </p:childTnLst>
+              </p:cTn>
+              <p:prevCondLst>
+                <p:cond evt="onPrev" delay="0">
+                  <p:tgtEl>
+                    <p:sldTgt/>
+                  </p:tgtEl>
+                </p:cond>
+              </p:prevCondLst>
+              <p:nextCondLst>
+                <p:cond evt="onNext" delay="0">
+                  <p:tgtEl>
+                    <p:sldTgt/>
+                  </p:tgtEl>
+                </p:cond>
+              </p:nextCondLst>
+            </p:seq>
+          </p:childTnLst>
+        </p:cTn>
+      </p:par>
+    </p:tnLst>
+    <p:bldLst>
+      <p:bldP spid="7" grpId="0" build="p"/>
+    </p:bldLst>
+  </p:timing>
+</p:sld>
+</file>
+
+<file path=ppt/slides/slide11.xml><?xml version="1.0" encoding="utf-8"?>
+<p:sld xmlns:a="http://schemas.openxmlformats.org/drawingml/2006/main" xmlns:r="http://schemas.openxmlformats.org/officeDocument/2006/relationships" xmlns:p="http://schemas.openxmlformats.org/presentationml/2006/main">
+  <p:cSld>
+    <p:spTree>
+      <p:nvGrpSpPr>
+        <p:cNvPr id="1" name=""/>
+        <p:cNvGrpSpPr/>
+        <p:nvPr/>
+      </p:nvGrpSpPr>
+      <p:grpSpPr>
+        <a:xfrm>
+          <a:off x="0" y="0"/>
+          <a:ext cx="0" cy="0"/>
+          <a:chOff x="0" y="0"/>
+          <a:chExt cx="0" cy="0"/>
+        </a:xfrm>
+      </p:grpSpPr>
       <p:sp>
         <p:nvSpPr>
           <p:cNvPr id="6" name="Rectangle 2">
@@ -5190,29 +5767,7 @@
                 </a:solidFill>
                 <a:effectLst/>
               </a:rPr>
-              <a:t>distancia al </a:t>
-            </a:r>
-            <a:r>
-              <a:rPr lang="es-ES" sz="1800" dirty="0" err="1">
-                <a:solidFill>
-                  <a:schemeClr val="bg2">
-                    <a:lumMod val="10000"/>
-                  </a:schemeClr>
-                </a:solidFill>
-                <a:effectLst/>
-              </a:rPr>
-              <a:t>router</a:t>
-            </a:r>
-            <a:r>
-              <a:rPr lang="es-ES" sz="1800" dirty="0">
-                <a:solidFill>
-                  <a:schemeClr val="bg2">
-                    <a:lumMod val="10000"/>
-                  </a:schemeClr>
-                </a:solidFill>
-                <a:effectLst/>
-              </a:rPr>
-              <a:t> </a:t>
+              <a:t>distancia al ruteador </a:t>
             </a:r>
             <a:r>
               <a:rPr lang="es-ES" sz="1800" b="0" i="0" dirty="0">
@@ -5473,7 +6028,7 @@
 </p:sld>
 </file>
 
-<file path=ppt/slides/slide11.xml><?xml version="1.0" encoding="utf-8"?>
+<file path=ppt/slides/slide12.xml><?xml version="1.0" encoding="utf-8"?>
 <p:sld xmlns:a="http://schemas.openxmlformats.org/drawingml/2006/main" xmlns:r="http://schemas.openxmlformats.org/officeDocument/2006/relationships" xmlns:p="http://schemas.openxmlformats.org/presentationml/2006/main">
   <p:cSld>
     <p:spTree>
@@ -6349,7 +6904,7 @@
 </p:sld>
 </file>
 
-<file path=ppt/slides/slide12.xml><?xml version="1.0" encoding="utf-8"?>
+<file path=ppt/slides/slide13.xml><?xml version="1.0" encoding="utf-8"?>
 <p:sld xmlns:a="http://schemas.openxmlformats.org/drawingml/2006/main" xmlns:r="http://schemas.openxmlformats.org/officeDocument/2006/relationships" xmlns:p="http://schemas.openxmlformats.org/presentationml/2006/main">
   <p:cSld>
     <p:spTree>
@@ -8550,7 +9105,7 @@
 </p:sld>
 </file>
 
-<file path=ppt/slides/slide13.xml><?xml version="1.0" encoding="utf-8"?>
+<file path=ppt/slides/slide14.xml><?xml version="1.0" encoding="utf-8"?>
 <p:sld xmlns:a="http://schemas.openxmlformats.org/drawingml/2006/main" xmlns:r="http://schemas.openxmlformats.org/officeDocument/2006/relationships" xmlns:p="http://schemas.openxmlformats.org/presentationml/2006/main">
   <p:cSld>
     <p:spTree>
@@ -9794,7 +10349,7 @@
 </p:sld>
 </file>
 
-<file path=ppt/slides/slide14.xml><?xml version="1.0" encoding="utf-8"?>
+<file path=ppt/slides/slide15.xml><?xml version="1.0" encoding="utf-8"?>
 <p:sld xmlns:a="http://schemas.openxmlformats.org/drawingml/2006/main" xmlns:r="http://schemas.openxmlformats.org/officeDocument/2006/relationships" xmlns:p="http://schemas.openxmlformats.org/presentationml/2006/main">
   <p:cSld>
     <p:spTree>
@@ -10827,7 +11382,7 @@
 </p:sld>
 </file>
 
-<file path=ppt/slides/slide15.xml><?xml version="1.0" encoding="utf-8"?>
+<file path=ppt/slides/slide16.xml><?xml version="1.0" encoding="utf-8"?>
 <p:sld xmlns:a="http://schemas.openxmlformats.org/drawingml/2006/main" xmlns:r="http://schemas.openxmlformats.org/officeDocument/2006/relationships" xmlns:p="http://schemas.openxmlformats.org/presentationml/2006/main">
   <p:cSld>
     <p:spTree>
@@ -11573,7 +12128,7 @@
 </p:sld>
 </file>
 
-<file path=ppt/slides/slide16.xml><?xml version="1.0" encoding="utf-8"?>
+<file path=ppt/slides/slide17.xml><?xml version="1.0" encoding="utf-8"?>
 <p:sld xmlns:a="http://schemas.openxmlformats.org/drawingml/2006/main" xmlns:r="http://schemas.openxmlformats.org/officeDocument/2006/relationships" xmlns:p="http://schemas.openxmlformats.org/presentationml/2006/main">
   <p:cSld>
     <p:spTree>
@@ -15424,7 +15979,7 @@
                   <a:srgbClr val="FF0000"/>
                 </a:solidFill>
               </a:rPr>
-              <a:t>routers inalámbricos domésticos</a:t>
+              <a:t>ruteadores inalámbricos domésticos</a:t>
             </a:r>
             <a:r>
               <a:rPr lang="es-ES" sz="1600" dirty="0">
@@ -15436,7 +15991,7 @@
             </a:r>
             <a:r>
               <a:rPr lang="es-ES" sz="1600" dirty="0"/>
-              <a:t>y de pequeñas empresas integran las funciones de un router, un switch y un punto de acceso en un solo dispositivo.</a:t>
+              <a:t>y de pequeñas empresas integran las funciones de un ruteador, un switch y un punto de acceso en un solo dispositivo.</a:t>
             </a:r>
           </a:p>
         </p:txBody>
@@ -16412,8 +16967,8 @@
         </p:nvSpPr>
         <p:spPr>
           <a:xfrm>
-            <a:off x="755576" y="989856"/>
-            <a:ext cx="7632848" cy="2448272"/>
+            <a:off x="539552" y="965350"/>
+            <a:ext cx="8352928" cy="2448272"/>
           </a:xfrm>
         </p:spPr>
         <p:txBody>
@@ -16441,25 +16996,7 @@
                 </a:solidFill>
                 <a:effectLst/>
               </a:rPr>
-              <a:t>Hay dos maneras en las que el </a:t>
-            </a:r>
-            <a:r>
-              <a:rPr lang="es-ES" sz="1600" b="0" i="0" dirty="0" err="1">
-                <a:solidFill>
-                  <a:srgbClr val="333333"/>
-                </a:solidFill>
-                <a:effectLst/>
-              </a:rPr>
-              <a:t>router</a:t>
-            </a:r>
-            <a:r>
-              <a:rPr lang="es-ES" sz="1600" b="0" i="0" dirty="0">
-                <a:solidFill>
-                  <a:srgbClr val="333333"/>
-                </a:solidFill>
-                <a:effectLst/>
-              </a:rPr>
-              <a:t> permite que tus dispositivos se conecten a la red. </a:t>
+              <a:t>Hay dos maneras en las que el ruteador permite que tus dispositivos se conecten a la red. </a:t>
             </a:r>
           </a:p>
           <a:p>
@@ -16490,25 +17027,7 @@
                 </a:solidFill>
                 <a:effectLst/>
               </a:rPr>
-              <a:t>, haciendo que tu dispositivo se conecte físicamente al </a:t>
-            </a:r>
-            <a:r>
-              <a:rPr lang="es-ES" sz="1600" b="0" i="0" dirty="0" err="1">
-                <a:solidFill>
-                  <a:srgbClr val="333333"/>
-                </a:solidFill>
-                <a:effectLst/>
-              </a:rPr>
-              <a:t>router</a:t>
-            </a:r>
-            <a:r>
-              <a:rPr lang="es-ES" sz="1600" b="0" i="0" dirty="0">
-                <a:solidFill>
-                  <a:srgbClr val="333333"/>
-                </a:solidFill>
-                <a:effectLst/>
-              </a:rPr>
-              <a:t> mediante un </a:t>
+              <a:t>, haciendo que tu dispositivo se conecte físicamente al ruteador mediante un </a:t>
             </a:r>
             <a:r>
               <a:rPr lang="es-ES" sz="1600" b="1" i="0" dirty="0">
@@ -16588,52 +17107,16 @@
                 </a:solidFill>
                 <a:effectLst/>
               </a:rPr>
-              <a:t>que tu </a:t>
-            </a:r>
-            <a:r>
-              <a:rPr lang="es-ES" sz="1600" i="0" dirty="0" err="1">
+              <a:t>que tu ruteador genera</a:t>
+            </a:r>
+            <a:r>
+              <a:rPr lang="es-ES" sz="1600" b="0" i="0" dirty="0">
                 <a:solidFill>
                   <a:srgbClr val="333333"/>
                 </a:solidFill>
                 <a:effectLst/>
               </a:rPr>
-              <a:t>router</a:t>
-            </a:r>
-            <a:r>
-              <a:rPr lang="es-ES" sz="1600" i="0" dirty="0">
-                <a:solidFill>
-                  <a:srgbClr val="333333"/>
-                </a:solidFill>
-                <a:effectLst/>
-              </a:rPr>
-              <a:t> genera</a:t>
-            </a:r>
-            <a:r>
-              <a:rPr lang="es-ES" sz="1600" b="0" i="0" dirty="0">
-                <a:solidFill>
-                  <a:srgbClr val="333333"/>
-                </a:solidFill>
-                <a:effectLst/>
-              </a:rPr>
-              <a:t>. Cuando tu </a:t>
-            </a:r>
-            <a:r>
-              <a:rPr lang="es-ES" sz="1600" b="0" i="0" dirty="0" err="1">
-                <a:solidFill>
-                  <a:srgbClr val="333333"/>
-                </a:solidFill>
-                <a:effectLst/>
-              </a:rPr>
-              <a:t>router</a:t>
-            </a:r>
-            <a:r>
-              <a:rPr lang="es-ES" sz="1600" b="0" i="0" dirty="0">
-                <a:solidFill>
-                  <a:srgbClr val="333333"/>
-                </a:solidFill>
-                <a:effectLst/>
-              </a:rPr>
-              <a:t> recibe Internet a través de un cable, una de sus funciones es la de crear una o dos redes inalámbricas de </a:t>
+              <a:t>. Cuando tu ruteador recibe Internet a través de un cable, una de sus funciones es la de crear una o dos redes inalámbricas de </a:t>
             </a:r>
             <a:r>
               <a:rPr lang="es-ES" sz="1600" b="1" i="0" dirty="0">
